--- a/docs/promotional-campaign/presentations/video-02-meet-payflow.pptx
+++ b/docs/promotional-campaign/presentations/video-02-meet-payflow.pptx
@@ -3346,7 +3346,7 @@
               </a:defRPr>
             </a:pPr>
             <a:r>
-              <a:t>1.  Sign In  Auth0 Universal Login</a:t>
+              <a:t>1.  Products show offer badges (Inventory Service)</a:t>
             </a:r>
           </a:p>
         </p:txBody>
@@ -3381,7 +3381,7 @@
               </a:defRPr>
             </a:pPr>
             <a:r>
-              <a:t>2.  Tier badge appears (Pro = 20% discount)</a:t>
+              <a:t>2.  User tier badge shows Pro (User Service)</a:t>
             </a:r>
           </a:p>
         </p:txBody>
@@ -3416,7 +3416,7 @@
               </a:defRPr>
             </a:pPr>
             <a:r>
-              <a:t>3.  Offer badges from Inventory Service</a:t>
+              <a:t>3.  20% discount applied for Pro users</a:t>
             </a:r>
           </a:p>
         </p:txBody>
@@ -3451,7 +3451,7 @@
               </a:defRPr>
             </a:pPr>
             <a:r>
-              <a:t>4.  Add to cart (see json-server logs)</a:t>
+              <a:t>4.  Add to cart (see json-server logs!)</a:t>
             </a:r>
           </a:p>
         </p:txBody>
@@ -3486,7 +3486,7 @@
               </a:defRPr>
             </a:pPr>
             <a:r>
-              <a:t>5.  Checkout  Stripe (test card: 4242...)</a:t>
+              <a:t>5.  Checkout shows shipping options (Shipping Service)</a:t>
             </a:r>
           </a:p>
         </p:txBody>
@@ -3521,7 +3521,7 @@
               </a:defRPr>
             </a:pPr>
             <a:r>
-              <a:t>6.  Webhook arrives (see Stripe CLI)</a:t>
+              <a:t>6.  Complete purchase</a:t>
             </a:r>
           </a:p>
         </p:txBody>
@@ -3534,42 +3534,7 @@
         </p:nvSpPr>
         <p:spPr>
           <a:xfrm>
-            <a:off x="1371600" y="5303520"/>
-            <a:ext cx="9144000" cy="548640"/>
-          </a:xfrm>
-          <a:prstGeom prst="rect">
-            <a:avLst/>
-          </a:prstGeom>
-          <a:noFill/>
-        </p:spPr>
-        <p:txBody>
-          <a:bodyPr wrap="none">
-            <a:spAutoFit/>
-          </a:bodyPr>
-          <a:lstStyle/>
-          <a:p>
-            <a:pPr>
-              <a:defRPr sz="2800">
-                <a:solidFill>
-                  <a:srgbClr val="FFFFFF"/>
-                </a:solidFill>
-              </a:defRPr>
-            </a:pPr>
-            <a:r>
-              <a:t>7.  Order appears in history</a:t>
-            </a:r>
-          </a:p>
-        </p:txBody>
-      </p:sp>
-      <p:sp>
-        <p:nvSpPr>
-          <p:cNvPr id="11" name="TextBox 10"/>
-          <p:cNvSpPr txBox="1"/>
-          <p:nvPr/>
-        </p:nvSpPr>
-        <p:spPr>
-          <a:xfrm>
-            <a:off x="457200" y="5943600"/>
+            <a:off x="457200" y="5486400"/>
             <a:ext cx="11277295" cy="1371600"/>
           </a:xfrm>
           <a:prstGeom prst="rect">
@@ -4054,7 +4019,7 @@
               </a:defRPr>
             </a:pPr>
             <a:r>
-              <a:t>Need a Pro account in Auth0</a:t>
+              <a:t>Edit db.json to change user tier</a:t>
             </a:r>
           </a:p>
         </p:txBody>
@@ -4124,7 +4089,7 @@
               </a:defRPr>
             </a:pPr>
             <a:r>
-              <a:t>Need ANOTHER Auth0 account</a:t>
+              <a:t>Edit db.json again, remember to change back</a:t>
             </a:r>
           </a:p>
         </p:txBody>
@@ -4137,77 +4102,7 @@
         </p:nvSpPr>
         <p:spPr>
           <a:xfrm>
-            <a:off x="914400" y="3840480"/>
-            <a:ext cx="9144000" cy="548640"/>
-          </a:xfrm>
-          <a:prstGeom prst="rect">
-            <a:avLst/>
-          </a:prstGeom>
-          <a:noFill/>
-        </p:spPr>
-        <p:txBody>
-          <a:bodyPr wrap="none">
-            <a:spAutoFit/>
-          </a:bodyPr>
-          <a:lstStyle/>
-          <a:p>
-            <a:pPr>
-              <a:defRPr sz="2800">
-                <a:solidFill>
-                  <a:srgbClr val="FFFFFF"/>
-                </a:solidFill>
-              </a:defRPr>
-            </a:pPr>
-            <a:r>
-              <a:t>Payment declined</a:t>
-            </a:r>
-          </a:p>
-        </p:txBody>
-      </p:sp>
-      <p:sp>
-        <p:nvSpPr>
-          <p:cNvPr id="9" name="TextBox 8"/>
-          <p:cNvSpPr txBox="1"/>
-          <p:nvPr/>
-        </p:nvSpPr>
-        <p:spPr>
-          <a:xfrm>
-            <a:off x="914400" y="4297680"/>
-            <a:ext cx="10362895" cy="914400"/>
-          </a:xfrm>
-          <a:prstGeom prst="rect">
-            <a:avLst/>
-          </a:prstGeom>
-          <a:noFill/>
-        </p:spPr>
-        <p:txBody>
-          <a:bodyPr wrap="square">
-            <a:spAutoFit/>
-          </a:bodyPr>
-          <a:lstStyle/>
-          <a:p>
-            <a:pPr algn="ctr">
-              <a:defRPr sz="1800">
-                <a:solidFill>
-                  <a:srgbClr val="F59E0B"/>
-                </a:solidFill>
-              </a:defRPr>
-            </a:pPr>
-            <a:r>
-              <a:t>Stripe test card works (4000 0000 0000 0002)</a:t>
-            </a:r>
-          </a:p>
-        </p:txBody>
-      </p:sp>
-      <p:sp>
-        <p:nvSpPr>
-          <p:cNvPr id="10" name="TextBox 9"/>
-          <p:cNvSpPr txBox="1"/>
-          <p:nvPr/>
-        </p:nvSpPr>
-        <p:spPr>
-          <a:xfrm>
-            <a:off x="914400" y="5486400"/>
+            <a:off x="914400" y="5029200"/>
             <a:ext cx="10362895" cy="914400"/>
           </a:xfrm>
           <a:prstGeom prst="rect">
@@ -4229,7 +4124,7 @@
               </a:defRPr>
             </a:pPr>
             <a:r>
-              <a:t>Possible, but requires manual setup.</a:t>
+              <a:t>Possible, but requires manual setup each time.</a:t>
             </a:r>
           </a:p>
         </p:txBody>
@@ -4430,7 +4325,7 @@
               </a:defRPr>
             </a:pPr>
             <a:r>
-              <a:t>Limited offer (3 spots)</a:t>
+              <a:t>Express shipping unavailable</a:t>
             </a:r>
           </a:p>
         </p:txBody>
@@ -4465,7 +4360,7 @@
               </a:defRPr>
             </a:pPr>
             <a:r>
-              <a:t>Edit db.json manually</a:t>
+              <a:t>Edit db.json to remove express option</a:t>
             </a:r>
           </a:p>
         </p:txBody>
@@ -4500,7 +4395,7 @@
               </a:defRPr>
             </a:pPr>
             <a:r>
-              <a:t>Inventory service down</a:t>
+              <a:t>Shipping service error</a:t>
             </a:r>
           </a:p>
         </p:txBody>
@@ -4570,7 +4465,7 @@
               </a:defRPr>
             </a:pPr>
             <a:r>
-              <a:t>Auth0 error</a:t>
+              <a:t>Limited spots (3 left)</a:t>
             </a:r>
           </a:p>
         </p:txBody>
@@ -4605,7 +4500,7 @@
               </a:defRPr>
             </a:pPr>
             <a:r>
-              <a:t>How do you make Auth0 fail on demand?</a:t>
+              <a:t>Edit db.json manually every time</a:t>
             </a:r>
           </a:p>
         </p:txBody>
@@ -4792,15 +4687,15 @@
               </a:defRPr>
             </a:pPr>
             <a:r>
-              <a:t>User loads page  offer available</a:t>
+              <a:t>User loads page → offer available</a:t>
             </a:r>
             <a:br/>
             <a:r>
-              <a:t>User clicks checkout  someone takes last spot</a:t>
+              <a:t>User clicks checkout → someone takes last spot</a:t>
             </a:r>
             <a:br/>
             <a:r>
-              <a:t>User clicks pay  ???</a:t>
+              <a:t>User clicks pay → ???</a:t>
             </a:r>
           </a:p>
         </p:txBody>
@@ -5001,7 +4896,7 @@
               </a:defRPr>
             </a:pPr>
             <a:r>
-              <a:t>All tests hit the same Auth0</a:t>
+              <a:t>All tests hit the same User Service</a:t>
             </a:r>
           </a:p>
         </p:txBody>
@@ -5036,7 +4931,7 @@
               </a:defRPr>
             </a:pPr>
             <a:r>
-              <a:t>All tests hit the same json-server</a:t>
+              <a:t>All tests hit the same Inventory Service</a:t>
             </a:r>
           </a:p>
         </p:txBody>
@@ -5071,7 +4966,7 @@
               </a:defRPr>
             </a:pPr>
             <a:r>
-              <a:t>All tests hit the same Stripe</a:t>
+              <a:t>All tests hit the same Shipping Service</a:t>
             </a:r>
           </a:p>
         </p:txBody>
@@ -5272,7 +5167,7 @@
               </a:defRPr>
             </a:pPr>
             <a:r>
-              <a:t>Annoying:  Different tiers, declined payments</a:t>
+              <a:t>Annoying:  Different user tiers</a:t>
             </a:r>
           </a:p>
         </p:txBody>
@@ -5307,7 +5202,7 @@
               </a:defRPr>
             </a:pPr>
             <a:r>
-              <a:t>Hard:  Service errors, offer states</a:t>
+              <a:t>Hard:  Service errors, offer states, shipping options</a:t>
             </a:r>
           </a:p>
         </p:txBody>
@@ -5842,7 +5737,7 @@
               </a:defRPr>
             </a:pPr>
             <a:r>
-              <a:t>Your App  Scenarist  (intercepted)  json-server</a:t>
+              <a:t>Next.js → Scenarist → (intercepted) → json-server</a:t>
             </a:r>
           </a:p>
           <a:p>
@@ -6387,7 +6282,7 @@
               </a:defRPr>
             </a:pPr>
             <a:r>
-              <a:t>Three external services</a:t>
+              <a:t>Three backend services</a:t>
             </a:r>
           </a:p>
         </p:txBody>
@@ -6518,7 +6413,7 @@
               </a:defRPr>
             </a:pPr>
             <a:r>
-              <a:t>Three External Services</a:t>
+              <a:t>Three Backend Services</a:t>
             </a:r>
           </a:p>
         </p:txBody>
@@ -6538,7 +6433,7 @@
             <a:avLst/>
           </a:prstGeom>
           <a:solidFill>
-            <a:srgbClr val="EB5424"/>
+            <a:srgbClr val="6366F1"/>
           </a:solidFill>
           <a:ln>
             <a:noFill/>
@@ -6596,7 +6491,7 @@
               </a:defRPr>
             </a:pPr>
             <a:r>
-              <a:t>Auth0</a:t>
+              <a:t>User Service</a:t>
             </a:r>
           </a:p>
           <a:p>
@@ -6609,15 +6504,15 @@
               </a:defRPr>
             </a:pPr>
             <a:r>
-              <a:t>Authentication</a:t>
+              <a:t>User Tier</a:t>
             </a:r>
             <a:br/>
             <a:r>
-              <a:t>User Tiers</a:t>
+              <a:t>Pro/Free</a:t>
             </a:r>
             <a:br/>
             <a:r>
-              <a:t>Real SDK</a:t>
+              <a:t>/users/current</a:t>
             </a:r>
           </a:p>
         </p:txBody>
@@ -6708,15 +6603,15 @@
               </a:defRPr>
             </a:pPr>
             <a:r>
-              <a:t>Promotional Offers</a:t>
+              <a:t>Offer Availability</a:t>
             </a:r>
             <a:br/>
             <a:r>
-              <a:t>json-server :3001</a:t>
+              <a:t>Quantity/Reserved</a:t>
             </a:r>
             <a:br/>
             <a:r>
-              <a:t>NO test mode</a:t>
+              <a:t>/inventory/:id</a:t>
             </a:r>
           </a:p>
         </p:txBody>
@@ -6736,7 +6631,7 @@
             <a:avLst/>
           </a:prstGeom>
           <a:solidFill>
-            <a:srgbClr val="635BFF"/>
+            <a:srgbClr val="0EA5E9"/>
           </a:solidFill>
           <a:ln>
             <a:noFill/>
@@ -6794,7 +6689,7 @@
               </a:defRPr>
             </a:pPr>
             <a:r>
-              <a:t>Stripe</a:t>
+              <a:t>Shipping Service</a:t>
             </a:r>
           </a:p>
           <a:p>
@@ -6807,15 +6702,15 @@
               </a:defRPr>
             </a:pPr>
             <a:r>
-              <a:t>Payments</a:t>
+              <a:t>Delivery Options</a:t>
             </a:r>
             <a:br/>
             <a:r>
-              <a:t>Webhooks</a:t>
+              <a:t>Rates &amp; Times</a:t>
             </a:r>
             <a:br/>
             <a:r>
-              <a:t>Real SDK</a:t>
+              <a:t>/shipping</a:t>
             </a:r>
           </a:p>
         </p:txBody>
@@ -6850,7 +6745,7 @@
               </a:defRPr>
             </a:pPr>
             <a:r>
-              <a:t>Real HTTP calls. Real latency. Real dependencies.</a:t>
+              <a:t>All server-side HTTP calls. Browser → Next.js → Services.</a:t>
             </a:r>
           </a:p>
         </p:txBody>
@@ -6946,7 +6841,7 @@
               </a:defRPr>
             </a:pPr>
             <a:r>
-              <a:t>The Inventory Service</a:t>
+              <a:t>The Key Point</a:t>
             </a:r>
           </a:p>
         </p:txBody>
@@ -6981,7 +6876,7 @@
               </a:defRPr>
             </a:pPr>
             <a:r>
-              <a:t>An internal API we consume but don't own.</a:t>
+              <a:t>Your browser never talks to these services directly.</a:t>
             </a:r>
           </a:p>
         </p:txBody>
@@ -7016,21 +6911,64 @@
               </a:defRPr>
             </a:pPr>
             <a:r>
-              <a:t>Unlike Stripe:</a:t>
-            </a:r>
-          </a:p>
-        </p:txBody>
-      </p:sp>
-      <p:sp>
-        <p:nvSpPr>
-          <p:cNvPr id="6" name="TextBox 5"/>
-          <p:cNvSpPr txBox="1"/>
-          <p:nvPr/>
-        </p:nvSpPr>
-        <p:spPr>
-          <a:xfrm>
-            <a:off x="2286000" y="3931920"/>
-            <a:ext cx="9144000" cy="548640"/>
+              <a:t>Next.js makes server-side HTTP calls.</a:t>
+            </a:r>
+          </a:p>
+        </p:txBody>
+      </p:sp>
+      <p:sp>
+        <p:nvSpPr>
+          <p:cNvPr id="6" name="Rounded Rectangle 5"/>
+          <p:cNvSpPr/>
+          <p:nvPr/>
+        </p:nvSpPr>
+        <p:spPr>
+          <a:xfrm>
+            <a:off x="1371600" y="4114800"/>
+            <a:ext cx="9448495" cy="1371600"/>
+          </a:xfrm>
+          <a:prstGeom prst="roundRect">
+            <a:avLst/>
+          </a:prstGeom>
+          <a:solidFill>
+            <a:srgbClr val="27272A"/>
+          </a:solidFill>
+          <a:ln>
+            <a:noFill/>
+          </a:ln>
+        </p:spPr>
+        <p:style>
+          <a:lnRef idx="1">
+            <a:schemeClr val="accent1"/>
+          </a:lnRef>
+          <a:fillRef idx="3">
+            <a:schemeClr val="accent1"/>
+          </a:fillRef>
+          <a:effectRef idx="2">
+            <a:schemeClr val="accent1"/>
+          </a:effectRef>
+          <a:fontRef idx="minor">
+            <a:schemeClr val="lt1"/>
+          </a:fontRef>
+        </p:style>
+        <p:txBody>
+          <a:bodyPr rtlCol="0" anchor="ctr"/>
+          <a:lstStyle/>
+          <a:p>
+            <a:pPr algn="ctr"/>
+          </a:p>
+        </p:txBody>
+      </p:sp>
+      <p:sp>
+        <p:nvSpPr>
+          <p:cNvPr id="7" name="TextBox 6"/>
+          <p:cNvSpPr txBox="1"/>
+          <p:nvPr/>
+        </p:nvSpPr>
+        <p:spPr>
+          <a:xfrm>
+            <a:off x="1554480" y="4297680"/>
+            <a:ext cx="9082735" cy="1005840"/>
           </a:xfrm>
           <a:prstGeom prst="rect">
             <a:avLst/>
@@ -7043,50 +6981,15 @@
           </a:bodyPr>
           <a:lstStyle/>
           <a:p>
-            <a:pPr>
-              <a:defRPr sz="2800">
-                <a:solidFill>
-                  <a:srgbClr val="EF4444"/>
-                </a:solidFill>
-              </a:defRPr>
-            </a:pPr>
-            <a:r>
-              <a:t>No test mode</a:t>
-            </a:r>
-          </a:p>
-        </p:txBody>
-      </p:sp>
-      <p:sp>
-        <p:nvSpPr>
-          <p:cNvPr id="7" name="TextBox 6"/>
-          <p:cNvSpPr txBox="1"/>
-          <p:nvPr/>
-        </p:nvSpPr>
-        <p:spPr>
-          <a:xfrm>
-            <a:off x="2286000" y="4480560"/>
-            <a:ext cx="9144000" cy="548640"/>
-          </a:xfrm>
-          <a:prstGeom prst="rect">
-            <a:avLst/>
-          </a:prstGeom>
-          <a:noFill/>
-        </p:spPr>
-        <p:txBody>
-          <a:bodyPr wrap="none">
-            <a:spAutoFit/>
-          </a:bodyPr>
-          <a:lstStyle/>
-          <a:p>
-            <a:pPr>
-              <a:defRPr sz="2800">
-                <a:solidFill>
-                  <a:srgbClr val="EF4444"/>
-                </a:solidFill>
-              </a:defRPr>
-            </a:pPr>
-            <a:r>
-              <a:t>No magic card numbers</a:t>
+            <a:pPr algn="ctr">
+              <a:defRPr sz="2400">
+                <a:solidFill>
+                  <a:srgbClr val="FFFFFF"/>
+                </a:solidFill>
+              </a:defRPr>
+            </a:pPr>
+            <a:r>
+              <a:t>Browser → Next.js Server → User / Inventory / Shipping Services</a:t>
             </a:r>
           </a:p>
         </p:txBody>
@@ -7094,41 +6997,6 @@
       <p:sp>
         <p:nvSpPr>
           <p:cNvPr id="8" name="TextBox 7"/>
-          <p:cNvSpPr txBox="1"/>
-          <p:nvPr/>
-        </p:nvSpPr>
-        <p:spPr>
-          <a:xfrm>
-            <a:off x="2286000" y="5029200"/>
-            <a:ext cx="9144000" cy="548640"/>
-          </a:xfrm>
-          <a:prstGeom prst="rect">
-            <a:avLst/>
-          </a:prstGeom>
-          <a:noFill/>
-        </p:spPr>
-        <p:txBody>
-          <a:bodyPr wrap="none">
-            <a:spAutoFit/>
-          </a:bodyPr>
-          <a:lstStyle/>
-          <a:p>
-            <a:pPr>
-              <a:defRPr sz="2800">
-                <a:solidFill>
-                  <a:srgbClr val="EF4444"/>
-                </a:solidFill>
-              </a:defRPr>
-            </a:pPr>
-            <a:r>
-              <a:t>No way to simulate errors</a:t>
-            </a:r>
-          </a:p>
-        </p:txBody>
-      </p:sp>
-      <p:sp>
-        <p:nvSpPr>
-          <p:cNvPr id="9" name="TextBox 8"/>
           <p:cNvSpPr txBox="1"/>
           <p:nvPr/>
         </p:nvSpPr>
@@ -7151,12 +7019,12 @@
             <a:pPr algn="ctr">
               <a:defRPr sz="2400">
                 <a:solidFill>
-                  <a:srgbClr val="A1A1AA"/>
-                </a:solidFill>
-              </a:defRPr>
-            </a:pPr>
-            <a:r>
-              <a:t>This is your reality with internal microservices.</a:t>
+                  <a:srgbClr val="22C55E"/>
+                </a:solidFill>
+              </a:defRPr>
+            </a:pPr>
+            <a:r>
+              <a:t>This is 100% mockable.</a:t>
             </a:r>
           </a:p>
         </p:txBody>
@@ -7247,12 +7115,12 @@
             <a:pPr algn="ctr">
               <a:defRPr sz="3600" b="1">
                 <a:solidFill>
-                  <a:srgbClr val="EB5424"/>
-                </a:solidFill>
-              </a:defRPr>
-            </a:pPr>
-            <a:r>
-              <a:t>Real Auth0 SDK</a:t>
+                  <a:srgbClr val="6366F1"/>
+                </a:solidFill>
+              </a:defRPr>
+            </a:pPr>
+            <a:r>
+              <a:t>User Service</a:t>
             </a:r>
           </a:p>
         </p:txBody>
@@ -7331,25 +7199,28 @@
               </a:defRPr>
             </a:pPr>
             <a:r>
-              <a:t>// src/lib/auth0.ts</a:t>
+              <a:t>// Server-side call to User Service</a:t>
             </a:r>
             <a:br/>
             <a:r>
-              <a:t>import { Auth0Client } from '@auth0/nextjs-auth0/server';</a:t>
+              <a:t>const response = await fetch("http://localhost:3001/users/current");</a:t>
+            </a:r>
+            <a:br/>
+            <a:r>
+              <a:t>const user = await response.json();</a:t>
+            </a:r>
+            <a:br/>
+            <a:r>
+              <a:t>// Returns: { id, email, name, tier }</a:t>
             </a:r>
             <a:br/>
             <a:br/>
             <a:r>
-              <a:t>export const auth0 = new Auth0Client();</a:t>
+              <a:t>// tier: "free" | "basic" | "pro" | "enterprise"</a:t>
             </a:r>
             <a:br/>
-            <a:br/>
-            <a:r>
-              <a:t>// Usage: await auth0.getSession()</a:t>
-            </a:r>
-            <a:br/>
-            <a:r>
-              <a:t>// Returns: { user: { email, tier, ... } }</a:t>
+            <a:r>
+              <a:t>// Pro users get 20% discount</a:t>
             </a:r>
           </a:p>
         </p:txBody>
@@ -7384,7 +7255,7 @@
               </a:defRPr>
             </a:pPr>
             <a:r>
-              <a:t>When you log in, it hits Auth0's servers.</a:t>
+              <a:t>Server fetches user tier for pricing decisions.</a:t>
             </a:r>
           </a:p>
         </p:txBody>
@@ -7475,12 +7346,12 @@
             <a:pPr algn="ctr">
               <a:defRPr sz="3600" b="1">
                 <a:solidFill>
-                  <a:srgbClr val="635BFF"/>
-                </a:solidFill>
-              </a:defRPr>
-            </a:pPr>
-            <a:r>
-              <a:t>Real Stripe SDK</a:t>
+                  <a:srgbClr val="10B981"/>
+                </a:solidFill>
+              </a:defRPr>
+            </a:pPr>
+            <a:r>
+              <a:t>Inventory Service</a:t>
             </a:r>
           </a:p>
         </p:txBody>
@@ -7494,7 +7365,7 @@
         <p:spPr>
           <a:xfrm>
             <a:off x="1371600" y="1645920"/>
-            <a:ext cx="9144000" cy="2743200"/>
+            <a:ext cx="9144000" cy="2926080"/>
           </a:xfrm>
           <a:prstGeom prst="roundRect">
             <a:avLst/>
@@ -7537,7 +7408,7 @@
         <p:spPr>
           <a:xfrm>
             <a:off x="1554480" y="1828800"/>
-            <a:ext cx="8778240" cy="2377440"/>
+            <a:ext cx="8778240" cy="2560320"/>
           </a:xfrm>
           <a:prstGeom prst="rect">
             <a:avLst/>
@@ -7559,29 +7430,32 @@
               </a:defRPr>
             </a:pPr>
             <a:r>
-              <a:t>// src/lib/stripe.ts</a:t>
+              <a:t>// Server-side call to Inventory Service</a:t>
             </a:r>
             <a:br/>
             <a:r>
-              <a:t>import Stripe from 'stripe';</a:t>
+              <a:t>const response = await fetch(</a:t>
+            </a:r>
+            <a:br/>
+            <a:r>
+              <a:t>  \`http://localhost:3001/inventory/\${productId}\`</a:t>
+            </a:r>
+            <a:br/>
+            <a:r>
+              <a:t>);</a:t>
+            </a:r>
+            <a:br/>
+            <a:r>
+              <a:t>const data = await response.json();</a:t>
+            </a:r>
+            <a:br/>
+            <a:r>
+              <a:t>// Returns: { id, productId, quantity, reserved }</a:t>
             </a:r>
             <a:br/>
             <a:br/>
             <a:r>
-              <a:t>export const getStripeServer = () =&gt; {</a:t>
-            </a:r>
-            <a:br/>
-            <a:r>
-              <a:t>  return new Stripe(process.env.STRIPE_SECRET_KEY!);</a:t>
-            </a:r>
-            <a:br/>
-            <a:r>
-              <a:t>};</a:t>
-            </a:r>
-            <a:br/>
-            <a:br/>
-            <a:r>
-              <a:t>// Checkout sessions, webhooks - all real</a:t>
+              <a:t>// quantity: 0 = offer ended, 3 = limited spots</a:t>
             </a:r>
           </a:p>
         </p:txBody>
@@ -7616,7 +7490,7 @@
               </a:defRPr>
             </a:pPr>
             <a:r>
-              <a:t>Payments go through Stripe's servers.</a:t>
+              <a:t>Server fetches offer availability. No test mode.</a:t>
             </a:r>
           </a:p>
         </p:txBody>
@@ -7707,12 +7581,12 @@
             <a:pPr algn="ctr">
               <a:defRPr sz="3600" b="1">
                 <a:solidFill>
-                  <a:srgbClr val="10B981"/>
-                </a:solidFill>
-              </a:defRPr>
-            </a:pPr>
-            <a:r>
-              <a:t>Inventory Service (json-server)</a:t>
+                  <a:srgbClr val="0EA5E9"/>
+                </a:solidFill>
+              </a:defRPr>
+            </a:pPr>
+            <a:r>
+              <a:t>Shipping Service</a:t>
             </a:r>
           </a:p>
         </p:txBody>
@@ -7726,7 +7600,7 @@
         <p:spPr>
           <a:xfrm>
             <a:off x="1371600" y="1645920"/>
-            <a:ext cx="9144000" cy="2926080"/>
+            <a:ext cx="9144000" cy="3200400"/>
           </a:xfrm>
           <a:prstGeom prst="roundRect">
             <a:avLst/>
@@ -7769,7 +7643,7 @@
         <p:spPr>
           <a:xfrm>
             <a:off x="1554480" y="1828800"/>
-            <a:ext cx="8778240" cy="2560320"/>
+            <a:ext cx="8778240" cy="2834640"/>
           </a:xfrm>
           <a:prstGeom prst="rect">
             <a:avLst/>
@@ -7791,32 +7665,35 @@
               </a:defRPr>
             </a:pPr>
             <a:r>
-              <a:t>// Fetching offer availability</a:t>
+              <a:t>// Server-side call to Shipping Service</a:t>
             </a:r>
             <a:br/>
             <a:r>
-              <a:t>const response = await fetch(</a:t>
+              <a:t>const response = await fetch("http://localhost:3001/shipping");</a:t>
             </a:r>
             <a:br/>
             <a:r>
-              <a:t>  `${INVENTORY_SERVICE_URL}/inventory/${productId}`</a:t>
+              <a:t>const options = await response.json();</a:t>
             </a:r>
             <a:br/>
             <a:r>
-              <a:t>);</a:t>
+              <a:t>// Returns: [</a:t>
             </a:r>
             <a:br/>
             <a:r>
-              <a:t>const data = await response.json();</a:t>
+              <a:t>//   { id: "standard", price: 5.99, estimatedDays: "5-7" },</a:t>
             </a:r>
             <a:br/>
             <a:r>
-              <a:t>// { id, productId, quantity, reserved }</a:t>
+              <a:t>//   { id: "express", price: 14.99, estimatedDays: "2-3" },</a:t>
             </a:r>
             <a:br/>
+            <a:r>
+              <a:t>//   { id: "overnight", price: 29.99, estimatedDays: "1" }</a:t>
+            </a:r>
             <a:br/>
             <a:r>
-              <a:t>// Simulated with: npx json-server db.json --port 3001</a:t>
+              <a:t>// ]</a:t>
             </a:r>
           </a:p>
         </p:txBody>
@@ -7829,7 +7706,7 @@
         </p:nvSpPr>
         <p:spPr>
           <a:xfrm>
-            <a:off x="914400" y="5029200"/>
+            <a:off x="914400" y="5303520"/>
             <a:ext cx="10362895" cy="914400"/>
           </a:xfrm>
           <a:prstGeom prst="rect">
@@ -7851,7 +7728,7 @@
               </a:defRPr>
             </a:pPr>
             <a:r>
-              <a:t>Real HTTP calls to a real service.</a:t>
+              <a:t>Server fetches delivery options and rates.</a:t>
             </a:r>
           </a:p>
         </p:txBody>
@@ -7947,7 +7824,7 @@
               </a:defRPr>
             </a:pPr>
             <a:r>
-              <a:t>Three Terminals</a:t>
+              <a:t>Two Terminals</a:t>
             </a:r>
           </a:p>
         </p:txBody>
@@ -7960,8 +7837,8 @@
         </p:nvSpPr>
         <p:spPr>
           <a:xfrm>
-            <a:off x="731520" y="1828800"/>
-            <a:ext cx="3474720" cy="2011680"/>
+            <a:off x="1097280" y="1828800"/>
+            <a:ext cx="5029200" cy="2560320"/>
           </a:xfrm>
           <a:prstGeom prst="roundRect">
             <a:avLst/>
@@ -8003,8 +7880,8 @@
         </p:nvSpPr>
         <p:spPr>
           <a:xfrm>
-            <a:off x="914400" y="2011680"/>
-            <a:ext cx="3108960" cy="1645920"/>
+            <a:off x="1280160" y="2011680"/>
+            <a:ext cx="4663440" cy="2194560"/>
           </a:xfrm>
           <a:prstGeom prst="rect">
             <a:avLst/>
@@ -8018,7 +7895,7 @@
           <a:lstStyle/>
           <a:p>
             <a:pPr>
-              <a:defRPr sz="2000" b="1">
+              <a:defRPr sz="2400" b="1">
                 <a:solidFill>
                   <a:srgbClr val="FFFFFF"/>
                 </a:solidFill>
@@ -8026,31 +7903,44 @@
             </a:pPr>
             <a:r>
               <a:t>Next.js</a:t>
+            </a:r>
+          </a:p>
+          <a:p>
+            <a:pPr>
+              <a:defRPr sz="1800">
+                <a:solidFill>
+                  <a:srgbClr val="22C55E"/>
+                </a:solidFill>
+                <a:latin typeface="Menlo"/>
+              </a:defRPr>
+            </a:pPr>
+            <a:r>
+              <a:t>pnpm dev</a:t>
             </a:r>
           </a:p>
           <a:p>
             <a:pPr>
               <a:defRPr sz="1600">
                 <a:solidFill>
-                  <a:srgbClr val="22C55E"/>
-                </a:solidFill>
-                <a:latin typeface="Menlo"/>
-              </a:defRPr>
-            </a:pPr>
-            <a:r>
-              <a:t>pnpm dev</a:t>
-            </a:r>
-          </a:p>
-          <a:p>
+                  <a:srgbClr val="A1A1AA"/>
+                </a:solidFill>
+              </a:defRPr>
+            </a:pPr>
+            <a:r>
+              <a:t>localhost:3000</a:t>
+            </a:r>
+          </a:p>
+          <a:p>
+            <a:br/>
             <a:pPr>
-              <a:defRPr sz="1400">
+              <a:defRPr sz="1600">
                 <a:solidFill>
                   <a:srgbClr val="A1A1AA"/>
                 </a:solidFill>
               </a:defRPr>
             </a:pPr>
             <a:r>
-              <a:t>localhost:3000</a:t>
+              <a:t>Your app</a:t>
             </a:r>
           </a:p>
         </p:txBody>
@@ -8063,8 +7953,8 @@
         </p:nvSpPr>
         <p:spPr>
           <a:xfrm>
-            <a:off x="4572000" y="1828800"/>
-            <a:ext cx="3474720" cy="2011680"/>
+            <a:off x="6583680" y="1828800"/>
+            <a:ext cx="5029200" cy="2560320"/>
           </a:xfrm>
           <a:prstGeom prst="roundRect">
             <a:avLst/>
@@ -8106,8 +7996,8 @@
         </p:nvSpPr>
         <p:spPr>
           <a:xfrm>
-            <a:off x="4754880" y="2011680"/>
-            <a:ext cx="3108960" cy="1645920"/>
+            <a:off x="6766560" y="2011680"/>
+            <a:ext cx="4663440" cy="2194560"/>
           </a:xfrm>
           <a:prstGeom prst="rect">
             <a:avLst/>
@@ -8121,33 +8011,33 @@
           <a:lstStyle/>
           <a:p>
             <a:pPr>
-              <a:defRPr sz="2000" b="1">
+              <a:defRPr sz="2400" b="1">
                 <a:solidFill>
                   <a:srgbClr val="FFFFFF"/>
                 </a:solidFill>
               </a:defRPr>
             </a:pPr>
             <a:r>
-              <a:t>Inventory Service</a:t>
+              <a:t>Backend Services</a:t>
+            </a:r>
+          </a:p>
+          <a:p>
+            <a:pPr>
+              <a:defRPr sz="1800">
+                <a:solidFill>
+                  <a:srgbClr val="22C55E"/>
+                </a:solidFill>
+                <a:latin typeface="Menlo"/>
+              </a:defRPr>
+            </a:pPr>
+            <a:r>
+              <a:t>pnpm inventory</a:t>
             </a:r>
           </a:p>
           <a:p>
             <a:pPr>
               <a:defRPr sz="1600">
                 <a:solidFill>
-                  <a:srgbClr val="22C55E"/>
-                </a:solidFill>
-                <a:latin typeface="Menlo"/>
-              </a:defRPr>
-            </a:pPr>
-            <a:r>
-              <a:t>npm run inventory</a:t>
-            </a:r>
-          </a:p>
-          <a:p>
-            <a:pPr>
-              <a:defRPr sz="1400">
-                <a:solidFill>
                   <a:srgbClr val="A1A1AA"/>
                 </a:solidFill>
               </a:defRPr>
@@ -8156,120 +8046,30 @@
               <a:t>localhost:3001</a:t>
             </a:r>
           </a:p>
-        </p:txBody>
-      </p:sp>
-      <p:sp>
-        <p:nvSpPr>
-          <p:cNvPr id="8" name="Rounded Rectangle 7"/>
-          <p:cNvSpPr/>
-          <p:nvPr/>
-        </p:nvSpPr>
-        <p:spPr>
-          <a:xfrm>
-            <a:off x="8412480" y="1828800"/>
-            <a:ext cx="3474720" cy="2011680"/>
-          </a:xfrm>
-          <a:prstGeom prst="roundRect">
-            <a:avLst/>
-          </a:prstGeom>
-          <a:solidFill>
-            <a:srgbClr val="27272A"/>
-          </a:solidFill>
-          <a:ln>
-            <a:noFill/>
-          </a:ln>
-        </p:spPr>
-        <p:style>
-          <a:lnRef idx="1">
-            <a:schemeClr val="accent1"/>
-          </a:lnRef>
-          <a:fillRef idx="3">
-            <a:schemeClr val="accent1"/>
-          </a:fillRef>
-          <a:effectRef idx="2">
-            <a:schemeClr val="accent1"/>
-          </a:effectRef>
-          <a:fontRef idx="minor">
-            <a:schemeClr val="lt1"/>
-          </a:fontRef>
-        </p:style>
-        <p:txBody>
-          <a:bodyPr rtlCol="0" anchor="ctr"/>
-          <a:lstStyle/>
-          <a:p>
-            <a:pPr algn="ctr"/>
-          </a:p>
-        </p:txBody>
-      </p:sp>
-      <p:sp>
-        <p:nvSpPr>
-          <p:cNvPr id="9" name="TextBox 8"/>
-          <p:cNvSpPr txBox="1"/>
-          <p:nvPr/>
-        </p:nvSpPr>
-        <p:spPr>
-          <a:xfrm>
-            <a:off x="8595360" y="2011680"/>
-            <a:ext cx="3108960" cy="1645920"/>
-          </a:xfrm>
-          <a:prstGeom prst="rect">
-            <a:avLst/>
-          </a:prstGeom>
-          <a:noFill/>
-        </p:spPr>
-        <p:txBody>
-          <a:bodyPr wrap="none">
-            <a:spAutoFit/>
-          </a:bodyPr>
-          <a:lstStyle/>
-          <a:p>
-            <a:pPr>
-              <a:defRPr sz="2000" b="1">
-                <a:solidFill>
-                  <a:srgbClr val="FFFFFF"/>
-                </a:solidFill>
-              </a:defRPr>
-            </a:pPr>
-            <a:r>
-              <a:t>Stripe CLI</a:t>
-            </a:r>
-          </a:p>
-          <a:p>
+          <a:p>
+            <a:br/>
             <a:pPr>
               <a:defRPr sz="1600">
                 <a:solidFill>
-                  <a:srgbClr val="22C55E"/>
-                </a:solidFill>
-                <a:latin typeface="Menlo"/>
-              </a:defRPr>
-            </a:pPr>
-            <a:r>
-              <a:t>stripe listen ...</a:t>
-            </a:r>
-          </a:p>
-          <a:p>
-            <a:pPr>
-              <a:defRPr sz="1400">
-                <a:solidFill>
                   <a:srgbClr val="A1A1AA"/>
                 </a:solidFill>
               </a:defRPr>
             </a:pPr>
             <a:r>
-              <a:t>webhooks</a:t>
-            </a:r>
-          </a:p>
-        </p:txBody>
-      </p:sp>
-      <p:sp>
-        <p:nvSpPr>
-          <p:cNvPr id="10" name="TextBox 9"/>
-          <p:cNvSpPr txBox="1"/>
-          <p:nvPr/>
-        </p:nvSpPr>
-        <p:spPr>
-          <a:xfrm>
-            <a:off x="914400" y="4572000"/>
+              <a:t>User + Inventory + Shipping</a:t>
+            </a:r>
+          </a:p>
+        </p:txBody>
+      </p:sp>
+      <p:sp>
+        <p:nvSpPr>
+          <p:cNvPr id="8" name="TextBox 7"/>
+          <p:cNvSpPr txBox="1"/>
+          <p:nvPr/>
+        </p:nvSpPr>
+        <p:spPr>
+          <a:xfrm>
+            <a:off x="914400" y="5029200"/>
             <a:ext cx="10362895" cy="914400"/>
           </a:xfrm>
           <a:prstGeom prst="rect">
@@ -8291,7 +8091,7 @@
               </a:defRPr>
             </a:pPr>
             <a:r>
-              <a:t>Real services. Real HTTP calls.</a:t>
+              <a:t>json-server with logging shows every request.</a:t>
             </a:r>
           </a:p>
         </p:txBody>
